--- a/DL/New/L5 Single Layer FeedForward Network nn.Linear.pptx
+++ b/DL/New/L5 Single Layer FeedForward Network nn.Linear.pptx
@@ -281,7 +281,7 @@
           <a:p>
             <a:fld id="{7245F849-C2C7-4F53-8001-D2393186258D}" type="datetimeFigureOut">
               <a:rPr lang="en-IN" smtClean="0"/>
-              <a:t>03-02-2024</a:t>
+              <a:t>28-02-2025</a:t>
             </a:fld>
             <a:endParaRPr lang="en-IN"/>
           </a:p>
@@ -481,7 +481,7 @@
           <a:p>
             <a:fld id="{7245F849-C2C7-4F53-8001-D2393186258D}" type="datetimeFigureOut">
               <a:rPr lang="en-IN" smtClean="0"/>
-              <a:t>03-02-2024</a:t>
+              <a:t>28-02-2025</a:t>
             </a:fld>
             <a:endParaRPr lang="en-IN"/>
           </a:p>
@@ -691,7 +691,7 @@
           <a:p>
             <a:fld id="{7245F849-C2C7-4F53-8001-D2393186258D}" type="datetimeFigureOut">
               <a:rPr lang="en-IN" smtClean="0"/>
-              <a:t>03-02-2024</a:t>
+              <a:t>28-02-2025</a:t>
             </a:fld>
             <a:endParaRPr lang="en-IN"/>
           </a:p>
@@ -891,7 +891,7 @@
           <a:p>
             <a:fld id="{7245F849-C2C7-4F53-8001-D2393186258D}" type="datetimeFigureOut">
               <a:rPr lang="en-IN" smtClean="0"/>
-              <a:t>03-02-2024</a:t>
+              <a:t>28-02-2025</a:t>
             </a:fld>
             <a:endParaRPr lang="en-IN"/>
           </a:p>
@@ -1167,7 +1167,7 @@
           <a:p>
             <a:fld id="{7245F849-C2C7-4F53-8001-D2393186258D}" type="datetimeFigureOut">
               <a:rPr lang="en-IN" smtClean="0"/>
-              <a:t>03-02-2024</a:t>
+              <a:t>28-02-2025</a:t>
             </a:fld>
             <a:endParaRPr lang="en-IN"/>
           </a:p>
@@ -1435,7 +1435,7 @@
           <a:p>
             <a:fld id="{7245F849-C2C7-4F53-8001-D2393186258D}" type="datetimeFigureOut">
               <a:rPr lang="en-IN" smtClean="0"/>
-              <a:t>03-02-2024</a:t>
+              <a:t>28-02-2025</a:t>
             </a:fld>
             <a:endParaRPr lang="en-IN"/>
           </a:p>
@@ -1850,7 +1850,7 @@
           <a:p>
             <a:fld id="{7245F849-C2C7-4F53-8001-D2393186258D}" type="datetimeFigureOut">
               <a:rPr lang="en-IN" smtClean="0"/>
-              <a:t>03-02-2024</a:t>
+              <a:t>28-02-2025</a:t>
             </a:fld>
             <a:endParaRPr lang="en-IN"/>
           </a:p>
@@ -1992,7 +1992,7 @@
           <a:p>
             <a:fld id="{7245F849-C2C7-4F53-8001-D2393186258D}" type="datetimeFigureOut">
               <a:rPr lang="en-IN" smtClean="0"/>
-              <a:t>03-02-2024</a:t>
+              <a:t>28-02-2025</a:t>
             </a:fld>
             <a:endParaRPr lang="en-IN"/>
           </a:p>
@@ -2105,7 +2105,7 @@
           <a:p>
             <a:fld id="{7245F849-C2C7-4F53-8001-D2393186258D}" type="datetimeFigureOut">
               <a:rPr lang="en-IN" smtClean="0"/>
-              <a:t>03-02-2024</a:t>
+              <a:t>28-02-2025</a:t>
             </a:fld>
             <a:endParaRPr lang="en-IN"/>
           </a:p>
@@ -2418,7 +2418,7 @@
           <a:p>
             <a:fld id="{7245F849-C2C7-4F53-8001-D2393186258D}" type="datetimeFigureOut">
               <a:rPr lang="en-IN" smtClean="0"/>
-              <a:t>03-02-2024</a:t>
+              <a:t>28-02-2025</a:t>
             </a:fld>
             <a:endParaRPr lang="en-IN"/>
           </a:p>
@@ -2707,7 +2707,7 @@
           <a:p>
             <a:fld id="{7245F849-C2C7-4F53-8001-D2393186258D}" type="datetimeFigureOut">
               <a:rPr lang="en-IN" smtClean="0"/>
-              <a:t>03-02-2024</a:t>
+              <a:t>28-02-2025</a:t>
             </a:fld>
             <a:endParaRPr lang="en-IN"/>
           </a:p>
@@ -2950,7 +2950,7 @@
           <a:p>
             <a:fld id="{7245F849-C2C7-4F53-8001-D2393186258D}" type="datetimeFigureOut">
               <a:rPr lang="en-IN" smtClean="0"/>
-              <a:t>03-02-2024</a:t>
+              <a:t>28-02-2025</a:t>
             </a:fld>
             <a:endParaRPr lang="en-IN"/>
           </a:p>
@@ -3383,7 +3383,12 @@
             <p:ph type="ctrTitle"/>
           </p:nvPr>
         </p:nvSpPr>
-        <p:spPr/>
+        <p:spPr>
+          <a:xfrm>
+            <a:off x="1524000" y="1831490"/>
+            <a:ext cx="9144000" cy="2387600"/>
+          </a:xfrm>
+        </p:spPr>
         <p:txBody>
           <a:bodyPr>
             <a:normAutofit/>
@@ -3420,31 +3425,6 @@
             <a:br>
               <a:rPr lang="en-US" dirty="0"/>
             </a:br>
-            <a:endParaRPr lang="en-IN" dirty="0"/>
-          </a:p>
-        </p:txBody>
-      </p:sp>
-      <p:sp>
-        <p:nvSpPr>
-          <p:cNvPr id="3" name="Subtitle 2">
-            <a:extLst>
-              <a:ext uri="{FF2B5EF4-FFF2-40B4-BE49-F238E27FC236}">
-                <a16:creationId xmlns:a16="http://schemas.microsoft.com/office/drawing/2014/main" id="{524328BB-5763-464C-9B72-86ACC7E9F1E8}"/>
-              </a:ext>
-            </a:extLst>
-          </p:cNvPr>
-          <p:cNvSpPr>
-            <a:spLocks noGrp="1"/>
-          </p:cNvSpPr>
-          <p:nvPr>
-            <p:ph type="subTitle" idx="1"/>
-          </p:nvPr>
-        </p:nvSpPr>
-        <p:spPr/>
-        <p:txBody>
-          <a:bodyPr/>
-          <a:lstStyle/>
-          <a:p>
             <a:endParaRPr lang="en-IN" dirty="0"/>
           </a:p>
         </p:txBody>
@@ -6505,8 +6485,16 @@
           </a:p>
           <a:p>
             <a:r>
-              <a:rPr lang="en-US" dirty="0"/>
-              <a:t>Weight and Bias is set automatically.</a:t>
+              <a:rPr lang="en-US" dirty="0">
+                <a:highlight>
+                  <a:srgbClr val="FFFF00"/>
+                </a:highlight>
+              </a:rPr>
+              <a:t>Weight and Bias is set automatically</a:t>
+            </a:r>
+            <a:r>
+              <a:rPr lang="en-US" dirty="0"/>
+              <a:t>.</a:t>
             </a:r>
             <a:endParaRPr lang="en-IN" dirty="0"/>
           </a:p>
@@ -7085,7 +7073,15 @@
             </a:r>
             <a:r>
               <a:rPr lang="en-US" dirty="0"/>
-              <a:t>, a module that applies a linear transformation to the incoming data.</a:t>
+              <a:t>, a module </a:t>
+            </a:r>
+            <a:r>
+              <a:rPr lang="en-US" dirty="0">
+                <a:highlight>
+                  <a:srgbClr val="FFFF00"/>
+                </a:highlight>
+              </a:rPr>
+              <a:t>that applies a linear transformation to the incoming data.</a:t>
             </a:r>
           </a:p>
           <a:p>
@@ -7175,15 +7171,35 @@
             </a:r>
             <a:r>
               <a:rPr lang="en-US" dirty="0"/>
-              <a:t>is the simplest type of artificial neural network where the connections between the </a:t>
-            </a:r>
-            <a:r>
-              <a:rPr lang="en-US" dirty="0" err="1"/>
+              <a:t>is the simplest type of </a:t>
+            </a:r>
+            <a:r>
+              <a:rPr lang="en-US" dirty="0">
+                <a:highlight>
+                  <a:srgbClr val="FFFF00"/>
+                </a:highlight>
+              </a:rPr>
+              <a:t>artificial neural network where the connections between the </a:t>
+            </a:r>
+            <a:r>
+              <a:rPr lang="en-US" dirty="0" err="1">
+                <a:highlight>
+                  <a:srgbClr val="FFFF00"/>
+                </a:highlight>
+              </a:rPr>
               <a:t>perceptrons</a:t>
             </a:r>
             <a:r>
-              <a:rPr lang="en-US" dirty="0"/>
-              <a:t> do not form a cycle.</a:t>
+              <a:rPr lang="en-US" dirty="0">
+                <a:highlight>
+                  <a:srgbClr val="FFFF00"/>
+                </a:highlight>
+              </a:rPr>
+              <a:t> do not form a cycle</a:t>
+            </a:r>
+            <a:r>
+              <a:rPr lang="en-US" dirty="0"/>
+              <a:t>.</a:t>
             </a:r>
           </a:p>
           <a:p>
@@ -7872,21 +7888,53 @@
           <a:p>
             <a:r>
               <a:rPr lang="en-US" dirty="0"/>
-              <a:t>There is no connection between the </a:t>
-            </a:r>
-            <a:r>
-              <a:rPr lang="en-US" dirty="0" err="1"/>
+              <a:t>There </a:t>
+            </a:r>
+            <a:r>
+              <a:rPr lang="en-US" dirty="0">
+                <a:highlight>
+                  <a:srgbClr val="FFFF00"/>
+                </a:highlight>
+              </a:rPr>
+              <a:t>is no connection between the </a:t>
+            </a:r>
+            <a:r>
+              <a:rPr lang="en-US" dirty="0" err="1">
+                <a:highlight>
+                  <a:srgbClr val="FFFF00"/>
+                </a:highlight>
+              </a:rPr>
               <a:t>perceptrons</a:t>
             </a:r>
             <a:r>
-              <a:rPr lang="en-US" dirty="0"/>
-              <a:t> of the same layer.</a:t>
-            </a:r>
-          </a:p>
-          <a:p>
-            <a:r>
-              <a:rPr lang="en-US" dirty="0"/>
-              <a:t>There is no backward connection (called a feedback connection) from the current layer to the previous layer.</a:t>
+              <a:rPr lang="en-US" dirty="0">
+                <a:highlight>
+                  <a:srgbClr val="FFFF00"/>
+                </a:highlight>
+              </a:rPr>
+              <a:t> of the same layer</a:t>
+            </a:r>
+            <a:r>
+              <a:rPr lang="en-US" dirty="0"/>
+              <a:t>.</a:t>
+            </a:r>
+          </a:p>
+          <a:p>
+            <a:r>
+              <a:rPr lang="en-US" dirty="0"/>
+              <a:t>There is </a:t>
+            </a:r>
+            <a:r>
+              <a:rPr lang="en-US" dirty="0">
+                <a:highlight>
+                  <a:srgbClr val="FFFF00"/>
+                </a:highlight>
+              </a:rPr>
+              <a:t>no backward connection </a:t>
+            </a:r>
+            <a:r>
+              <a:rPr lang="en-US" dirty="0"/>
+              <a:t>(called a feedback connection) from the current layer to the previous layer.</a:t>
             </a:r>
           </a:p>
         </p:txBody>
@@ -9195,7 +9243,15 @@
             </a:r>
             <a:r>
               <a:rPr lang="en-US" dirty="0"/>
-              <a:t>). Note that all dimensions except last are of the same shape as input data.</a:t>
+              <a:t>). </a:t>
+            </a:r>
+            <a:r>
+              <a:rPr lang="en-US" dirty="0">
+                <a:highlight>
+                  <a:srgbClr val="FFFF00"/>
+                </a:highlight>
+              </a:rPr>
+              <a:t>Note that all dimensions except last are of the same shape as input data.</a:t>
             </a:r>
           </a:p>
           <a:p>
